--- a/doc/workshop/advancedReliability/reliability_analysis.pptx
+++ b/doc/workshop/advancedReliability/reliability_analysis.pptx
@@ -39461,7 +39461,7 @@
           <a:graphicData uri="http://schemas.openxmlformats.org/presentationml/2006/ole">
             <mc:AlternateContent xmlns:mc="http://schemas.openxmlformats.org/markup-compatibility/2006">
               <mc:Choice xmlns:v="urn:schemas-microsoft-com:vml" Requires="v">
-                <p:oleObj spid="_x0000_s7204" name="Equation" r:id="rId4" imgW="1346200" imgH="457200" progId="Equation.3">
+                <p:oleObj spid="_x0000_s7207" name="Equation" r:id="rId4" imgW="1346200" imgH="457200" progId="Equation.3">
                   <p:embed/>
                 </p:oleObj>
               </mc:Choice>
@@ -40502,7 +40502,7 @@
                 <a:spcPct val="40000"/>
               </a:spcBef>
               <a:buFont typeface="+mj-lt"/>
-              <a:buAutoNum type="arabicPeriod"/>
+              <a:buAutoNum type="arabicPeriod" startAt="2"/>
             </a:pPr>
             <a:r>
               <a:rPr lang="en-US" dirty="0" smtClean="0">
@@ -40539,7 +40539,7 @@
           <a:p>
             <a:pPr marL="457200" indent="-457200">
               <a:buFont typeface="+mj-lt"/>
-              <a:buAutoNum type="arabicPeriod"/>
+              <a:buAutoNum type="arabicPeriod" startAt="3"/>
             </a:pPr>
             <a:r>
               <a:rPr lang="en-US" dirty="0" smtClean="0">
@@ -40574,14 +40574,14 @@
           <a:p>
             <a:pPr marL="457200" indent="-457200">
               <a:buFont typeface="+mj-lt"/>
-              <a:buAutoNum type="arabicPeriod"/>
+              <a:buAutoNum type="arabicPeriod" startAt="3"/>
             </a:pPr>
             <a:endParaRPr lang="en-US" dirty="0" smtClean="0"/>
           </a:p>
           <a:p>
             <a:pPr marL="457200" indent="-457200">
               <a:buFont typeface="+mj-lt"/>
-              <a:buAutoNum type="arabicPeriod"/>
+              <a:buAutoNum type="arabicPeriod" startAt="3"/>
             </a:pPr>
             <a:r>
               <a:rPr lang="en-US" dirty="0" smtClean="0">
@@ -43951,7 +43951,7 @@
               <a:t>False" </a:t>
             </a:r>
             <a:r>
-              <a:rPr lang="en-US" sz="1400" dirty="0" smtClean="0">
+              <a:rPr lang="en-US" sz="1400" smtClean="0">
                 <a:solidFill>
                   <a:srgbClr val="660066"/>
                 </a:solidFill>
@@ -43961,7 +43961,7 @@
               <a:t>weight</a:t>
             </a:r>
             <a:r>
-              <a:rPr lang="en-US" sz="1400" dirty="0" smtClean="0">
+              <a:rPr lang="en-US" sz="1400" smtClean="0">
                 <a:solidFill>
                   <a:srgbClr val="008000"/>
                 </a:solidFill>
@@ -43971,45 +43971,32 @@
               <a:t>=</a:t>
             </a:r>
             <a:r>
-              <a:rPr lang="en-US" sz="1400" dirty="0" smtClean="0">
+              <a:rPr lang="en-US" sz="1400" smtClean="0">
                 <a:solidFill>
                   <a:srgbClr val="1A4DB2"/>
                 </a:solidFill>
                 <a:latin typeface="Courier"/>
                 <a:cs typeface="Courier"/>
               </a:rPr>
-              <a:t>"</a:t>
-            </a:r>
-            <a:r>
-              <a:rPr lang="en-US" sz="1400" dirty="0">
-                <a:solidFill>
-                  <a:srgbClr val="1A4DB2"/>
-                </a:solidFill>
-                <a:latin typeface="Courier"/>
-                <a:cs typeface="Courier"/>
-              </a:rPr>
-              <a:t>value"</a:t>
-            </a:r>
-            <a:r>
-              <a:rPr lang="en-US" sz="1400" dirty="0">
+              <a:t>”CDF"</a:t>
+            </a:r>
+            <a:r>
+              <a:rPr lang="en-US" sz="1400" smtClean="0">
                 <a:solidFill>
                   <a:srgbClr val="008000"/>
                 </a:solidFill>
                 <a:latin typeface="Courier"/>
                 <a:cs typeface="Courier"/>
               </a:rPr>
-              <a:t> </a:t>
-            </a:r>
-            <a:r>
-              <a:rPr lang="en-US" sz="1400" dirty="0" smtClean="0">
-                <a:solidFill>
-                  <a:srgbClr val="008000"/>
-                </a:solidFill>
-                <a:latin typeface="Courier"/>
-                <a:cs typeface="Courier"/>
-              </a:rPr>
-              <a:t>       </a:t>
-            </a:r>
+              <a:t>        </a:t>
+            </a:r>
+            <a:endParaRPr lang="en-US" sz="1400" dirty="0" smtClean="0">
+              <a:solidFill>
+                <a:srgbClr val="008000"/>
+              </a:solidFill>
+              <a:latin typeface="Courier"/>
+              <a:cs typeface="Courier"/>
+            </a:endParaRPr>
           </a:p>
           <a:p>
             <a:r>
@@ -44433,17 +44420,7 @@
                 <a:latin typeface="Courier"/>
                 <a:cs typeface="Courier"/>
               </a:rPr>
-              <a:t>&lt;</a:t>
-            </a:r>
-            <a:r>
-              <a:rPr lang="en-US" sz="1400" dirty="0" smtClean="0">
-                <a:solidFill>
-                  <a:srgbClr val="008000"/>
-                </a:solidFill>
-                <a:latin typeface="Courier"/>
-                <a:cs typeface="Courier"/>
-              </a:rPr>
-              <a:t>/Samplers&gt;     </a:t>
+              <a:t>&lt;/Samplers&gt;     </a:t>
             </a:r>
             <a:endParaRPr lang="en-US" sz="1400" dirty="0">
               <a:solidFill>
@@ -47690,7 +47667,7 @@
           <a:graphicData uri="http://schemas.openxmlformats.org/presentationml/2006/ole">
             <mc:AlternateContent xmlns:mc="http://schemas.openxmlformats.org/markup-compatibility/2006">
               <mc:Choice xmlns:v="urn:schemas-microsoft-com:vml" Requires="v">
-                <p:oleObj spid="_x0000_s8214" name="Equation" r:id="rId4" imgW="1346200" imgH="457200" progId="Equation.3">
+                <p:oleObj spid="_x0000_s8217" name="Equation" r:id="rId4" imgW="1346200" imgH="457200" progId="Equation.3">
                   <p:embed/>
                 </p:oleObj>
               </mc:Choice>
@@ -51250,7 +51227,7 @@
           <a:graphicData uri="http://schemas.openxmlformats.org/presentationml/2006/ole">
             <mc:AlternateContent xmlns:mc="http://schemas.openxmlformats.org/markup-compatibility/2006">
               <mc:Choice xmlns:v="urn:schemas-microsoft-com:vml" Requires="v">
-                <p:oleObj spid="_x0000_s1059" name="Equation" r:id="rId3" imgW="2273300" imgH="203200" progId="Equation.3">
+                <p:oleObj spid="_x0000_s1062" name="Equation" r:id="rId3" imgW="2273300" imgH="203200" progId="Equation.3">
                   <p:embed/>
                 </p:oleObj>
               </mc:Choice>

--- a/doc/workshop/advancedReliability/reliability_analysis.pptx
+++ b/doc/workshop/advancedReliability/reliability_analysis.pptx
@@ -5,10 +5,10 @@
     <p:sldMasterId id="2147483648" r:id="rId1"/>
   </p:sldMasterIdLst>
   <p:notesMasterIdLst>
-    <p:notesMasterId r:id="rId25"/>
+    <p:notesMasterId r:id="rId28"/>
   </p:notesMasterIdLst>
   <p:handoutMasterIdLst>
-    <p:handoutMasterId r:id="rId26"/>
+    <p:handoutMasterId r:id="rId29"/>
   </p:handoutMasterIdLst>
   <p:sldIdLst>
     <p:sldId id="272" r:id="rId2"/>
@@ -34,6 +34,9 @@
     <p:sldId id="358" r:id="rId22"/>
     <p:sldId id="362" r:id="rId23"/>
     <p:sldId id="361" r:id="rId24"/>
+    <p:sldId id="376" r:id="rId25"/>
+    <p:sldId id="349" r:id="rId26"/>
+    <p:sldId id="379" r:id="rId27"/>
   </p:sldIdLst>
   <p:sldSz cx="9144000" cy="6858000" type="screen4x3"/>
   <p:notesSz cx="7010400" cy="9296400"/>
@@ -36790,14 +36793,14 @@
   <p:clrMapOvr>
     <a:masterClrMapping/>
   </p:clrMapOvr>
-  <mc:AlternateContent xmlns:mc="http://schemas.openxmlformats.org/markup-compatibility/2006" xmlns:p14="http://schemas.microsoft.com/office/powerpoint/2010/main">
-    <mc:Choice Requires="p14">
+  <mc:AlternateContent xmlns:mc="http://schemas.openxmlformats.org/markup-compatibility/2006">
+    <mc:Choice xmlns:p14="http://schemas.microsoft.com/office/powerpoint/2010/main" Requires="p14">
       <p:transition spd="med" p14:dur="700">
         <p:fade/>
       </p:transition>
     </mc:Choice>
-    <mc:Fallback xmlns="">
-      <p:transition xmlns:p14="http://schemas.microsoft.com/office/powerpoint/2010/main" spd="med">
+    <mc:Fallback>
+      <p:transition spd="med">
         <p:fade/>
       </p:transition>
     </mc:Fallback>
@@ -36940,14 +36943,14 @@
   <p:clrMapOvr>
     <a:masterClrMapping/>
   </p:clrMapOvr>
-  <mc:AlternateContent xmlns:mc="http://schemas.openxmlformats.org/markup-compatibility/2006" xmlns:p14="http://schemas.microsoft.com/office/powerpoint/2010/main">
-    <mc:Choice Requires="p14">
+  <mc:AlternateContent xmlns:mc="http://schemas.openxmlformats.org/markup-compatibility/2006">
+    <mc:Choice xmlns:p14="http://schemas.microsoft.com/office/powerpoint/2010/main" Requires="p14">
       <p:transition spd="med" p14:dur="700">
         <p:fade/>
       </p:transition>
     </mc:Choice>
-    <mc:Fallback xmlns="">
-      <p:transition xmlns:p14="http://schemas.microsoft.com/office/powerpoint/2010/main" spd="med">
+    <mc:Fallback>
+      <p:transition spd="med">
         <p:fade/>
       </p:transition>
     </mc:Fallback>
@@ -37093,6 +37096,18 @@
   <p:clrMapOvr>
     <a:masterClrMapping/>
   </p:clrMapOvr>
+  <mc:AlternateContent xmlns:mc="http://schemas.openxmlformats.org/markup-compatibility/2006">
+    <mc:Choice xmlns:p14="http://schemas.microsoft.com/office/powerpoint/2010/main" Requires="p14">
+      <p:transition spd="med" p14:dur="700">
+        <p:fade/>
+      </p:transition>
+    </mc:Choice>
+    <mc:Fallback>
+      <p:transition spd="med">
+        <p:fade/>
+      </p:transition>
+    </mc:Fallback>
+  </mc:AlternateContent>
 </p:sld>
 </file>
 
@@ -37392,6 +37407,18 @@
   <p:clrMapOvr>
     <a:masterClrMapping/>
   </p:clrMapOvr>
+  <mc:AlternateContent xmlns:mc="http://schemas.openxmlformats.org/markup-compatibility/2006">
+    <mc:Choice xmlns:p14="http://schemas.microsoft.com/office/powerpoint/2010/main" Requires="p14">
+      <p:transition spd="med" p14:dur="700">
+        <p:fade/>
+      </p:transition>
+    </mc:Choice>
+    <mc:Fallback>
+      <p:transition spd="med">
+        <p:fade/>
+      </p:transition>
+    </mc:Fallback>
+  </mc:AlternateContent>
 </p:sld>
 </file>
 
@@ -37779,6 +37806,18 @@
   <p:clrMapOvr>
     <a:masterClrMapping/>
   </p:clrMapOvr>
+  <mc:AlternateContent xmlns:mc="http://schemas.openxmlformats.org/markup-compatibility/2006">
+    <mc:Choice xmlns:p14="http://schemas.microsoft.com/office/powerpoint/2010/main" Requires="p14">
+      <p:transition spd="med" p14:dur="700">
+        <p:fade/>
+      </p:transition>
+    </mc:Choice>
+    <mc:Fallback>
+      <p:transition spd="med">
+        <p:fade/>
+      </p:transition>
+    </mc:Fallback>
+  </mc:AlternateContent>
 </p:sld>
 </file>
 
@@ -37845,7 +37884,7 @@
         </p:nvSpPr>
         <p:spPr>
           <a:xfrm>
-            <a:off x="307731" y="1598613"/>
+            <a:off x="381671" y="2767013"/>
             <a:ext cx="8379069" cy="4524375"/>
           </a:xfrm>
         </p:spPr>
@@ -37967,6 +38006,71 @@
           </a:p>
         </p:txBody>
       </p:sp>
+      <p:sp>
+        <p:nvSpPr>
+          <p:cNvPr id="4" name="TextBox 3">
+            <a:extLst>
+              <a:ext uri="{FF2B5EF4-FFF2-40B4-BE49-F238E27FC236}">
+                <a16:creationId xmlns:a16="http://schemas.microsoft.com/office/drawing/2014/main" id="{24689C89-804B-E843-A39F-0268B7800CB0}"/>
+              </a:ext>
+            </a:extLst>
+          </p:cNvPr>
+          <p:cNvSpPr txBox="1"/>
+          <p:nvPr/>
+        </p:nvSpPr>
+        <p:spPr>
+          <a:xfrm>
+            <a:off x="455613" y="2079387"/>
+            <a:ext cx="8494423" cy="369332"/>
+          </a:xfrm>
+          <a:prstGeom prst="rect">
+            <a:avLst/>
+          </a:prstGeom>
+          <a:solidFill>
+            <a:schemeClr val="bg1">
+              <a:lumMod val="50000"/>
+            </a:schemeClr>
+          </a:solidFill>
+        </p:spPr>
+        <p:txBody>
+          <a:bodyPr wrap="square" rtlCol="0">
+            <a:spAutoFit/>
+          </a:bodyPr>
+          <a:lstStyle/>
+          <a:p>
+            <a:pPr marL="0" indent="0">
+              <a:buNone/>
+            </a:pPr>
+            <a:r>
+              <a:rPr lang="en-US" sz="1800" dirty="0">
+                <a:solidFill>
+                  <a:schemeClr val="bg1"/>
+                </a:solidFill>
+                <a:latin typeface="Lucida Console" panose="020B0609040504020204" pitchFamily="49" charset="0"/>
+              </a:rPr>
+              <a:t>raven/doc/workshop/</a:t>
+            </a:r>
+            <a:r>
+              <a:rPr lang="en-US" sz="1800" dirty="0" err="1">
+                <a:solidFill>
+                  <a:schemeClr val="bg1"/>
+                </a:solidFill>
+                <a:latin typeface="Lucida Console" panose="020B0609040504020204" pitchFamily="49" charset="0"/>
+              </a:rPr>
+              <a:t>advancedReliability</a:t>
+            </a:r>
+            <a:r>
+              <a:rPr lang="en-US" sz="1800" dirty="0">
+                <a:solidFill>
+                  <a:schemeClr val="bg1"/>
+                </a:solidFill>
+                <a:latin typeface="Lucida Console" panose="020B0609040504020204" pitchFamily="49" charset="0"/>
+              </a:rPr>
+              <a:t>/exercises </a:t>
+            </a:r>
+          </a:p>
+        </p:txBody>
+      </p:sp>
     </p:spTree>
     <p:extLst>
       <p:ext uri="{BB962C8B-B14F-4D97-AF65-F5344CB8AC3E}">
@@ -37977,6 +38081,18 @@
   <p:clrMapOvr>
     <a:masterClrMapping/>
   </p:clrMapOvr>
+  <mc:AlternateContent xmlns:mc="http://schemas.openxmlformats.org/markup-compatibility/2006">
+    <mc:Choice xmlns:p14="http://schemas.microsoft.com/office/powerpoint/2010/main" Requires="p14">
+      <p:transition spd="med" p14:dur="700">
+        <p:fade/>
+      </p:transition>
+    </mc:Choice>
+    <mc:Fallback>
+      <p:transition spd="med">
+        <p:fade/>
+      </p:transition>
+    </mc:Fallback>
+  </mc:AlternateContent>
 </p:sld>
 </file>
 
@@ -38066,14 +38182,14 @@
   <p:clrMapOvr>
     <a:masterClrMapping/>
   </p:clrMapOvr>
-  <mc:AlternateContent xmlns:mc="http://schemas.openxmlformats.org/markup-compatibility/2006" xmlns:p14="http://schemas.microsoft.com/office/powerpoint/2010/main">
-    <mc:Choice Requires="p14">
+  <mc:AlternateContent xmlns:mc="http://schemas.openxmlformats.org/markup-compatibility/2006">
+    <mc:Choice xmlns:p14="http://schemas.microsoft.com/office/powerpoint/2010/main" Requires="p14">
       <p:transition spd="med" p14:dur="700">
         <p:fade/>
       </p:transition>
     </mc:Choice>
-    <mc:Fallback xmlns="">
-      <p:transition xmlns:p14="http://schemas.microsoft.com/office/powerpoint/2010/main" spd="med">
+    <mc:Fallback>
+      <p:transition spd="med">
         <p:fade/>
       </p:transition>
     </mc:Fallback>
@@ -38473,14 +38589,14 @@
   <p:clrMapOvr>
     <a:masterClrMapping/>
   </p:clrMapOvr>
-  <mc:AlternateContent xmlns:mc="http://schemas.openxmlformats.org/markup-compatibility/2006" xmlns:p14="http://schemas.microsoft.com/office/powerpoint/2010/main">
-    <mc:Choice Requires="p14">
+  <mc:AlternateContent xmlns:mc="http://schemas.openxmlformats.org/markup-compatibility/2006">
+    <mc:Choice xmlns:p14="http://schemas.microsoft.com/office/powerpoint/2010/main" Requires="p14">
       <p:transition spd="med" p14:dur="700">
         <p:fade/>
       </p:transition>
     </mc:Choice>
-    <mc:Fallback xmlns="">
-      <p:transition xmlns:p14="http://schemas.microsoft.com/office/powerpoint/2010/main" spd="med">
+    <mc:Fallback>
+      <p:transition spd="med">
         <p:fade/>
       </p:transition>
     </mc:Fallback>
@@ -39460,6 +39576,18 @@
   <p:clrMapOvr>
     <a:masterClrMapping/>
   </p:clrMapOvr>
+  <mc:AlternateContent xmlns:mc="http://schemas.openxmlformats.org/markup-compatibility/2006">
+    <mc:Choice xmlns:p14="http://schemas.microsoft.com/office/powerpoint/2010/main" Requires="p14">
+      <p:transition spd="med" p14:dur="700">
+        <p:fade/>
+      </p:transition>
+    </mc:Choice>
+    <mc:Fallback>
+      <p:transition spd="med">
+        <p:fade/>
+      </p:transition>
+    </mc:Fallback>
+  </mc:AlternateContent>
 </p:sld>
 </file>
 
@@ -40445,6 +40573,18 @@
   <p:clrMapOvr>
     <a:masterClrMapping/>
   </p:clrMapOvr>
+  <mc:AlternateContent xmlns:mc="http://schemas.openxmlformats.org/markup-compatibility/2006">
+    <mc:Choice xmlns:p14="http://schemas.microsoft.com/office/powerpoint/2010/main" Requires="p14">
+      <p:transition spd="med" p14:dur="700">
+        <p:fade/>
+      </p:transition>
+    </mc:Choice>
+    <mc:Fallback>
+      <p:transition spd="med">
+        <p:fade/>
+      </p:transition>
+    </mc:Fallback>
+  </mc:AlternateContent>
 </p:sld>
 </file>
 
@@ -42058,6 +42198,18 @@
   <p:clrMapOvr>
     <a:masterClrMapping/>
   </p:clrMapOvr>
+  <mc:AlternateContent xmlns:mc="http://schemas.openxmlformats.org/markup-compatibility/2006">
+    <mc:Choice xmlns:p14="http://schemas.microsoft.com/office/powerpoint/2010/main" Requires="p14">
+      <p:transition spd="med" p14:dur="700">
+        <p:fade/>
+      </p:transition>
+    </mc:Choice>
+    <mc:Fallback>
+      <p:transition spd="med">
+        <p:fade/>
+      </p:transition>
+    </mc:Fallback>
+  </mc:AlternateContent>
 </p:sld>
 </file>
 
@@ -42200,14 +42352,14 @@
   <p:clrMapOvr>
     <a:masterClrMapping/>
   </p:clrMapOvr>
-  <mc:AlternateContent xmlns:mc="http://schemas.openxmlformats.org/markup-compatibility/2006" xmlns:p14="http://schemas.microsoft.com/office/powerpoint/2010/main">
-    <mc:Choice Requires="p14">
+  <mc:AlternateContent xmlns:mc="http://schemas.openxmlformats.org/markup-compatibility/2006">
+    <mc:Choice xmlns:p14="http://schemas.microsoft.com/office/powerpoint/2010/main" Requires="p14">
       <p:transition spd="med" p14:dur="700">
         <p:fade/>
       </p:transition>
     </mc:Choice>
-    <mc:Fallback xmlns="">
-      <p:transition xmlns:p14="http://schemas.microsoft.com/office/powerpoint/2010/main" spd="med">
+    <mc:Fallback>
+      <p:transition spd="med">
         <p:fade/>
       </p:transition>
     </mc:Fallback>
@@ -42995,6 +43147,18 @@
   <p:clrMapOvr>
     <a:masterClrMapping/>
   </p:clrMapOvr>
+  <mc:AlternateContent xmlns:mc="http://schemas.openxmlformats.org/markup-compatibility/2006">
+    <mc:Choice xmlns:p14="http://schemas.microsoft.com/office/powerpoint/2010/main" Requires="p14">
+      <p:transition spd="med" p14:dur="700">
+        <p:fade/>
+      </p:transition>
+    </mc:Choice>
+    <mc:Fallback>
+      <p:transition spd="med">
+        <p:fade/>
+      </p:transition>
+    </mc:Fallback>
+  </mc:AlternateContent>
 </p:sld>
 </file>
 
@@ -43084,14 +43248,14 @@
   <p:clrMapOvr>
     <a:masterClrMapping/>
   </p:clrMapOvr>
-  <mc:AlternateContent xmlns:mc="http://schemas.openxmlformats.org/markup-compatibility/2006" xmlns:p14="http://schemas.microsoft.com/office/powerpoint/2010/main">
-    <mc:Choice Requires="p14">
+  <mc:AlternateContent xmlns:mc="http://schemas.openxmlformats.org/markup-compatibility/2006">
+    <mc:Choice xmlns:p14="http://schemas.microsoft.com/office/powerpoint/2010/main" Requires="p14">
       <p:transition spd="med" p14:dur="700">
         <p:fade/>
       </p:transition>
     </mc:Choice>
-    <mc:Fallback xmlns="">
-      <p:transition xmlns:p14="http://schemas.microsoft.com/office/powerpoint/2010/main" spd="med">
+    <mc:Fallback>
+      <p:transition spd="med">
         <p:fade/>
       </p:transition>
     </mc:Fallback>
@@ -44371,6 +44535,18 @@
   <p:clrMapOvr>
     <a:masterClrMapping/>
   </p:clrMapOvr>
+  <mc:AlternateContent xmlns:mc="http://schemas.openxmlformats.org/markup-compatibility/2006">
+    <mc:Choice xmlns:p14="http://schemas.microsoft.com/office/powerpoint/2010/main" Requires="p14">
+      <p:transition spd="med" p14:dur="700">
+        <p:fade/>
+      </p:transition>
+    </mc:Choice>
+    <mc:Fallback>
+      <p:transition spd="med">
+        <p:fade/>
+      </p:transition>
+    </mc:Fallback>
+  </mc:AlternateContent>
 </p:sld>
 </file>
 
@@ -45478,6 +45654,579 @@
   <p:clrMapOvr>
     <a:masterClrMapping/>
   </p:clrMapOvr>
+  <mc:AlternateContent xmlns:mc="http://schemas.openxmlformats.org/markup-compatibility/2006">
+    <mc:Choice xmlns:p14="http://schemas.microsoft.com/office/powerpoint/2010/main" Requires="p14">
+      <p:transition spd="med" p14:dur="700">
+        <p:fade/>
+      </p:transition>
+    </mc:Choice>
+    <mc:Fallback>
+      <p:transition spd="med">
+        <p:fade/>
+      </p:transition>
+    </mc:Fallback>
+  </mc:AlternateContent>
+</p:sld>
+</file>
+
+<file path=ppt/slides/slide24.xml><?xml version="1.0" encoding="utf-8"?>
+<p:sld xmlns:a="http://schemas.openxmlformats.org/drawingml/2006/main" xmlns:r="http://schemas.openxmlformats.org/officeDocument/2006/relationships" xmlns:p="http://schemas.openxmlformats.org/presentationml/2006/main">
+  <p:cSld>
+    <p:spTree>
+      <p:nvGrpSpPr>
+        <p:cNvPr id="1" name=""/>
+        <p:cNvGrpSpPr/>
+        <p:nvPr/>
+      </p:nvGrpSpPr>
+      <p:grpSpPr>
+        <a:xfrm>
+          <a:off x="0" y="0"/>
+          <a:ext cx="0" cy="0"/>
+          <a:chOff x="0" y="0"/>
+          <a:chExt cx="0" cy="0"/>
+        </a:xfrm>
+      </p:grpSpPr>
+      <p:sp>
+        <p:nvSpPr>
+          <p:cNvPr id="2" name="Title 1"/>
+          <p:cNvSpPr>
+            <a:spLocks noGrp="1"/>
+          </p:cNvSpPr>
+          <p:nvPr>
+            <p:ph type="title"/>
+          </p:nvPr>
+        </p:nvSpPr>
+        <p:spPr>
+          <a:xfrm>
+            <a:off x="455613" y="3089696"/>
+            <a:ext cx="8231187" cy="1098762"/>
+          </a:xfrm>
+        </p:spPr>
+        <p:txBody>
+          <a:bodyPr/>
+          <a:lstStyle/>
+          <a:p>
+            <a:pPr algn="ctr"/>
+            <a:r>
+              <a:rPr lang="en-US" b="0" dirty="0"/>
+              <a:t>Exercise 3:</a:t>
+            </a:r>
+            <a:br>
+              <a:rPr lang="en-US" b="0" dirty="0"/>
+            </a:br>
+            <a:r>
+              <a:rPr lang="en-US" b="0" dirty="0"/>
+              <a:t>Change the the ROM classifier to check how the limit surface changes</a:t>
+            </a:r>
+          </a:p>
+        </p:txBody>
+      </p:sp>
+      <p:sp>
+        <p:nvSpPr>
+          <p:cNvPr id="4" name="Slide Number Placeholder 3"/>
+          <p:cNvSpPr>
+            <a:spLocks noGrp="1"/>
+          </p:cNvSpPr>
+          <p:nvPr>
+            <p:ph type="sldNum" sz="quarter" idx="11"/>
+          </p:nvPr>
+        </p:nvSpPr>
+        <p:spPr/>
+        <p:txBody>
+          <a:bodyPr/>
+          <a:lstStyle/>
+          <a:p>
+            <a:fld id="{4B4332F1-BAE3-4172-AA6D-91F763B329EF}" type="slidenum">
+              <a:rPr lang="en-US" smtClean="0"/>
+              <a:pPr/>
+              <a:t>24</a:t>
+            </a:fld>
+            <a:endParaRPr lang="en-US"/>
+          </a:p>
+        </p:txBody>
+      </p:sp>
+    </p:spTree>
+    <p:extLst>
+      <p:ext uri="{BB962C8B-B14F-4D97-AF65-F5344CB8AC3E}">
+        <p14:creationId xmlns:p14="http://schemas.microsoft.com/office/powerpoint/2010/main" val="3954196376"/>
+      </p:ext>
+    </p:extLst>
+  </p:cSld>
+  <p:clrMapOvr>
+    <a:masterClrMapping/>
+  </p:clrMapOvr>
+  <mc:AlternateContent xmlns:mc="http://schemas.openxmlformats.org/markup-compatibility/2006">
+    <mc:Choice xmlns:p14="http://schemas.microsoft.com/office/powerpoint/2010/main" Requires="p14">
+      <p:transition spd="med" p14:dur="700">
+        <p:fade/>
+      </p:transition>
+    </mc:Choice>
+    <mc:Fallback>
+      <p:transition spd="med">
+        <p:fade/>
+      </p:transition>
+    </mc:Fallback>
+  </mc:AlternateContent>
+</p:sld>
+</file>
+
+<file path=ppt/slides/slide25.xml><?xml version="1.0" encoding="utf-8"?>
+<p:sld xmlns:a="http://schemas.openxmlformats.org/drawingml/2006/main" xmlns:r="http://schemas.openxmlformats.org/officeDocument/2006/relationships" xmlns:p="http://schemas.openxmlformats.org/presentationml/2006/main">
+  <p:cSld>
+    <p:spTree>
+      <p:nvGrpSpPr>
+        <p:cNvPr id="1" name=""/>
+        <p:cNvGrpSpPr/>
+        <p:nvPr/>
+      </p:nvGrpSpPr>
+      <p:grpSpPr>
+        <a:xfrm>
+          <a:off x="0" y="0"/>
+          <a:ext cx="0" cy="0"/>
+          <a:chOff x="0" y="0"/>
+          <a:chExt cx="0" cy="0"/>
+        </a:xfrm>
+      </p:grpSpPr>
+      <p:sp>
+        <p:nvSpPr>
+          <p:cNvPr id="2" name="Title 1">
+            <a:extLst>
+              <a:ext uri="{FF2B5EF4-FFF2-40B4-BE49-F238E27FC236}">
+                <a16:creationId xmlns:a16="http://schemas.microsoft.com/office/drawing/2014/main" id="{6CFE73B4-A998-1C41-B18E-D5A5FC19D5C1}"/>
+              </a:ext>
+            </a:extLst>
+          </p:cNvPr>
+          <p:cNvSpPr>
+            <a:spLocks noGrp="1"/>
+          </p:cNvSpPr>
+          <p:nvPr>
+            <p:ph type="title"/>
+          </p:nvPr>
+        </p:nvSpPr>
+        <p:spPr>
+          <a:xfrm>
+            <a:off x="455613" y="1004888"/>
+            <a:ext cx="8231187" cy="1465016"/>
+          </a:xfrm>
+        </p:spPr>
+        <p:txBody>
+          <a:bodyPr/>
+          <a:lstStyle/>
+          <a:p>
+            <a:r>
+              <a:rPr lang="en-US" b="0" dirty="0"/>
+              <a:t>Exercise 3: Change the the ROM classifier to check how the limit surface changes</a:t>
+            </a:r>
+            <a:br>
+              <a:rPr lang="en-US" b="0" dirty="0"/>
+            </a:br>
+            <a:br>
+              <a:rPr lang="en-US" dirty="0"/>
+            </a:br>
+            <a:endParaRPr lang="en-US" dirty="0"/>
+          </a:p>
+        </p:txBody>
+      </p:sp>
+      <p:sp>
+        <p:nvSpPr>
+          <p:cNvPr id="3" name="Content Placeholder 2">
+            <a:extLst>
+              <a:ext uri="{FF2B5EF4-FFF2-40B4-BE49-F238E27FC236}">
+                <a16:creationId xmlns:a16="http://schemas.microsoft.com/office/drawing/2014/main" id="{69B98CC8-17F2-0244-9C8C-816FE596FC02}"/>
+              </a:ext>
+            </a:extLst>
+          </p:cNvPr>
+          <p:cNvSpPr>
+            <a:spLocks noGrp="1"/>
+          </p:cNvSpPr>
+          <p:nvPr>
+            <p:ph idx="1"/>
+          </p:nvPr>
+        </p:nvSpPr>
+        <p:spPr>
+          <a:xfrm>
+            <a:off x="455613" y="2217175"/>
+            <a:ext cx="8231187" cy="4524375"/>
+          </a:xfrm>
+        </p:spPr>
+        <p:txBody>
+          <a:bodyPr/>
+          <a:lstStyle/>
+          <a:p>
+            <a:r>
+              <a:rPr lang="en-US" dirty="0"/>
+              <a:t>Copy exercise 1,  change the </a:t>
+            </a:r>
+            <a:r>
+              <a:rPr lang="en-US" b="1" dirty="0" err="1">
+                <a:solidFill>
+                  <a:schemeClr val="accent2"/>
+                </a:solidFill>
+              </a:rPr>
+              <a:t>acceleration_ROM</a:t>
+            </a:r>
+            <a:r>
+              <a:rPr lang="en-US" dirty="0"/>
+              <a:t> from </a:t>
+            </a:r>
+            <a:r>
+              <a:rPr lang="en-US" b="1" i="1" dirty="0" err="1">
+                <a:solidFill>
+                  <a:schemeClr val="accent1"/>
+                </a:solidFill>
+              </a:rPr>
+              <a:t>svm|SVC</a:t>
+            </a:r>
+            <a:r>
+              <a:rPr lang="en-US" b="1" i="1" dirty="0">
+                <a:solidFill>
+                  <a:schemeClr val="accent1"/>
+                </a:solidFill>
+              </a:rPr>
+              <a:t> </a:t>
+            </a:r>
+            <a:r>
+              <a:rPr lang="en-US" dirty="0"/>
+              <a:t>to another classifier. Possible options:</a:t>
+            </a:r>
+          </a:p>
+          <a:p>
+            <a:pPr lvl="1"/>
+            <a:r>
+              <a:rPr lang="en-US" b="1" i="1" dirty="0" err="1">
+                <a:solidFill>
+                  <a:srgbClr val="7030A0"/>
+                </a:solidFill>
+              </a:rPr>
+              <a:t>neighbors|KNeighborsClassifier</a:t>
+            </a:r>
+            <a:endParaRPr lang="en-US" b="1" i="1" dirty="0">
+              <a:solidFill>
+                <a:srgbClr val="7030A0"/>
+              </a:solidFill>
+            </a:endParaRPr>
+          </a:p>
+          <a:p>
+            <a:pPr lvl="1"/>
+            <a:r>
+              <a:rPr lang="en-US" b="1" i="1" dirty="0" err="1">
+                <a:solidFill>
+                  <a:srgbClr val="7030A0"/>
+                </a:solidFill>
+              </a:rPr>
+              <a:t>tree|DecisionTreeClassifier</a:t>
+            </a:r>
+            <a:endParaRPr lang="en-US" b="1" i="1" dirty="0">
+              <a:solidFill>
+                <a:srgbClr val="7030A0"/>
+              </a:solidFill>
+            </a:endParaRPr>
+          </a:p>
+          <a:p>
+            <a:r>
+              <a:rPr lang="en-US" dirty="0"/>
+              <a:t>Check the manual:</a:t>
+            </a:r>
+          </a:p>
+          <a:p>
+            <a:pPr lvl="1"/>
+            <a:r>
+              <a:rPr lang="en-US" dirty="0"/>
+              <a:t>Section 15.3.7</a:t>
+            </a:r>
+          </a:p>
+          <a:p>
+            <a:pPr lvl="1"/>
+            <a:r>
+              <a:rPr lang="en-US" dirty="0"/>
+              <a:t>Don’t forget to check the parameters needed for the new classifier you decide to use</a:t>
+            </a:r>
+          </a:p>
+          <a:p>
+            <a:r>
+              <a:rPr lang="en-US" b="1" dirty="0">
+                <a:solidFill>
+                  <a:schemeClr val="accent1"/>
+                </a:solidFill>
+              </a:rPr>
+              <a:t>Run the case.</a:t>
+            </a:r>
+            <a:r>
+              <a:rPr lang="en-US" dirty="0"/>
+              <a:t>  How does the Limit Surface change?</a:t>
+            </a:r>
+          </a:p>
+        </p:txBody>
+      </p:sp>
+    </p:spTree>
+    <p:extLst>
+      <p:ext uri="{BB962C8B-B14F-4D97-AF65-F5344CB8AC3E}">
+        <p14:creationId xmlns:p14="http://schemas.microsoft.com/office/powerpoint/2010/main" val="2410433971"/>
+      </p:ext>
+    </p:extLst>
+  </p:cSld>
+  <p:clrMapOvr>
+    <a:masterClrMapping/>
+  </p:clrMapOvr>
+  <mc:AlternateContent xmlns:mc="http://schemas.openxmlformats.org/markup-compatibility/2006">
+    <mc:Choice xmlns:p14="http://schemas.microsoft.com/office/powerpoint/2010/main" Requires="p14">
+      <p:transition spd="med" p14:dur="700">
+        <p:fade/>
+      </p:transition>
+    </mc:Choice>
+    <mc:Fallback>
+      <p:transition spd="med">
+        <p:fade/>
+      </p:transition>
+    </mc:Fallback>
+  </mc:AlternateContent>
+</p:sld>
+</file>
+
+<file path=ppt/slides/slide26.xml><?xml version="1.0" encoding="utf-8"?>
+<p:sld xmlns:a="http://schemas.openxmlformats.org/drawingml/2006/main" xmlns:r="http://schemas.openxmlformats.org/officeDocument/2006/relationships" xmlns:p="http://schemas.openxmlformats.org/presentationml/2006/main">
+  <p:cSld>
+    <p:spTree>
+      <p:nvGrpSpPr>
+        <p:cNvPr id="1" name=""/>
+        <p:cNvGrpSpPr/>
+        <p:nvPr/>
+      </p:nvGrpSpPr>
+      <p:grpSpPr>
+        <a:xfrm>
+          <a:off x="0" y="0"/>
+          <a:ext cx="0" cy="0"/>
+          <a:chOff x="0" y="0"/>
+          <a:chExt cx="0" cy="0"/>
+        </a:xfrm>
+      </p:grpSpPr>
+      <p:sp>
+        <p:nvSpPr>
+          <p:cNvPr id="2" name="Title 1">
+            <a:extLst>
+              <a:ext uri="{FF2B5EF4-FFF2-40B4-BE49-F238E27FC236}">
+                <a16:creationId xmlns:a16="http://schemas.microsoft.com/office/drawing/2014/main" id="{6CFE73B4-A998-1C41-B18E-D5A5FC19D5C1}"/>
+              </a:ext>
+            </a:extLst>
+          </p:cNvPr>
+          <p:cNvSpPr>
+            <a:spLocks noGrp="1"/>
+          </p:cNvSpPr>
+          <p:nvPr>
+            <p:ph type="title"/>
+          </p:nvPr>
+        </p:nvSpPr>
+        <p:spPr>
+          <a:xfrm>
+            <a:off x="455613" y="1004888"/>
+            <a:ext cx="8231187" cy="2197525"/>
+          </a:xfrm>
+        </p:spPr>
+        <p:txBody>
+          <a:bodyPr/>
+          <a:lstStyle/>
+          <a:p>
+            <a:r>
+              <a:rPr lang="en-US" b="0" dirty="0"/>
+              <a:t>Exercise 4: Change the distributions in the </a:t>
+            </a:r>
+            <a:r>
+              <a:rPr lang="en-US" b="0" dirty="0" err="1"/>
+              <a:t>LimitSurfaceIntegral</a:t>
+            </a:r>
+            <a:r>
+              <a:rPr lang="en-US" b="0" dirty="0"/>
+              <a:t> to check how the failure probability changes</a:t>
+            </a:r>
+            <a:br>
+              <a:rPr lang="en-US" b="0" dirty="0"/>
+            </a:br>
+            <a:br>
+              <a:rPr lang="en-US" b="0" dirty="0"/>
+            </a:br>
+            <a:br>
+              <a:rPr lang="en-US" dirty="0"/>
+            </a:br>
+            <a:endParaRPr lang="en-US" dirty="0"/>
+          </a:p>
+        </p:txBody>
+      </p:sp>
+      <p:sp>
+        <p:nvSpPr>
+          <p:cNvPr id="3" name="Content Placeholder 2">
+            <a:extLst>
+              <a:ext uri="{FF2B5EF4-FFF2-40B4-BE49-F238E27FC236}">
+                <a16:creationId xmlns:a16="http://schemas.microsoft.com/office/drawing/2014/main" id="{69B98CC8-17F2-0244-9C8C-816FE596FC02}"/>
+              </a:ext>
+            </a:extLst>
+          </p:cNvPr>
+          <p:cNvSpPr>
+            <a:spLocks noGrp="1"/>
+          </p:cNvSpPr>
+          <p:nvPr>
+            <p:ph idx="1"/>
+          </p:nvPr>
+        </p:nvSpPr>
+        <p:spPr>
+          <a:xfrm>
+            <a:off x="455613" y="2513009"/>
+            <a:ext cx="8231187" cy="3323013"/>
+          </a:xfrm>
+        </p:spPr>
+        <p:txBody>
+          <a:bodyPr/>
+          <a:lstStyle/>
+          <a:p>
+            <a:r>
+              <a:rPr lang="en-US" dirty="0"/>
+              <a:t>Copy exercise 2,  change the </a:t>
+            </a:r>
+            <a:r>
+              <a:rPr lang="en-US" b="1" dirty="0">
+                <a:solidFill>
+                  <a:schemeClr val="accent2"/>
+                </a:solidFill>
+              </a:rPr>
+              <a:t>distributions </a:t>
+            </a:r>
+            <a:r>
+              <a:rPr lang="en-US" dirty="0"/>
+              <a:t>used to weight the </a:t>
+            </a:r>
+            <a:r>
+              <a:rPr lang="en-US" dirty="0" err="1"/>
+              <a:t>LimitSurfaceIntegral</a:t>
+            </a:r>
+            <a:r>
+              <a:rPr lang="en-US" dirty="0"/>
+              <a:t> post-processor. Possible options:</a:t>
+            </a:r>
+          </a:p>
+          <a:p>
+            <a:pPr lvl="1"/>
+            <a:r>
+              <a:rPr lang="en-US" b="1" i="1" dirty="0">
+                <a:solidFill>
+                  <a:srgbClr val="7030A0"/>
+                </a:solidFill>
+              </a:rPr>
+              <a:t>Change distributions from Uniform to </a:t>
+            </a:r>
+            <a:r>
+              <a:rPr lang="en-US" b="1" i="1" dirty="0" err="1">
+                <a:solidFill>
+                  <a:srgbClr val="7030A0"/>
+                </a:solidFill>
+              </a:rPr>
+              <a:t>Normals</a:t>
+            </a:r>
+            <a:r>
+              <a:rPr lang="en-US" b="1" i="1" dirty="0">
+                <a:solidFill>
+                  <a:srgbClr val="7030A0"/>
+                </a:solidFill>
+              </a:rPr>
+              <a:t> or other of your choice</a:t>
+            </a:r>
+          </a:p>
+          <a:p>
+            <a:pPr lvl="1"/>
+            <a:r>
+              <a:rPr lang="en-US" b="1" i="1" dirty="0">
+                <a:solidFill>
+                  <a:srgbClr val="7030A0"/>
+                </a:solidFill>
+              </a:rPr>
+              <a:t>Change the </a:t>
+            </a:r>
+            <a:r>
+              <a:rPr lang="en-US" b="1" i="1" dirty="0" err="1">
+                <a:solidFill>
+                  <a:srgbClr val="7030A0"/>
+                </a:solidFill>
+              </a:rPr>
+              <a:t>lowerBound</a:t>
+            </a:r>
+            <a:r>
+              <a:rPr lang="en-US" b="1" i="1" dirty="0">
+                <a:solidFill>
+                  <a:srgbClr val="7030A0"/>
+                </a:solidFill>
+              </a:rPr>
+              <a:t> and </a:t>
+            </a:r>
+            <a:r>
+              <a:rPr lang="en-US" b="1" i="1" dirty="0" err="1">
+                <a:solidFill>
+                  <a:srgbClr val="7030A0"/>
+                </a:solidFill>
+              </a:rPr>
+              <a:t>upperBound</a:t>
+            </a:r>
+            <a:endParaRPr lang="en-US" b="1" i="1" dirty="0">
+              <a:solidFill>
+                <a:srgbClr val="7030A0"/>
+              </a:solidFill>
+            </a:endParaRPr>
+          </a:p>
+          <a:p>
+            <a:r>
+              <a:rPr lang="en-US" dirty="0"/>
+              <a:t>Check the manual for the distributions:</a:t>
+            </a:r>
+          </a:p>
+          <a:p>
+            <a:pPr lvl="1"/>
+            <a:r>
+              <a:rPr lang="en-US" dirty="0"/>
+              <a:t>Section 9.1</a:t>
+            </a:r>
+          </a:p>
+          <a:p>
+            <a:pPr lvl="1"/>
+            <a:r>
+              <a:rPr lang="en-US" dirty="0"/>
+              <a:t>Don’t forget to check the parameters needed for the new distributions you decide to use</a:t>
+            </a:r>
+          </a:p>
+          <a:p>
+            <a:r>
+              <a:rPr lang="en-US" b="1" dirty="0">
+                <a:solidFill>
+                  <a:schemeClr val="accent1"/>
+                </a:solidFill>
+              </a:rPr>
+              <a:t>Run the case.</a:t>
+            </a:r>
+            <a:r>
+              <a:rPr lang="en-US" dirty="0"/>
+              <a:t>  How does the Event Probability change?</a:t>
+            </a:r>
+          </a:p>
+        </p:txBody>
+      </p:sp>
+    </p:spTree>
+    <p:extLst>
+      <p:ext uri="{BB962C8B-B14F-4D97-AF65-F5344CB8AC3E}">
+        <p14:creationId xmlns:p14="http://schemas.microsoft.com/office/powerpoint/2010/main" val="3560095717"/>
+      </p:ext>
+    </p:extLst>
+  </p:cSld>
+  <p:clrMapOvr>
+    <a:masterClrMapping/>
+  </p:clrMapOvr>
+  <mc:AlternateContent xmlns:mc="http://schemas.openxmlformats.org/markup-compatibility/2006">
+    <mc:Choice xmlns:p14="http://schemas.microsoft.com/office/powerpoint/2010/main" Requires="p14">
+      <p:transition spd="med" p14:dur="700">
+        <p:fade/>
+      </p:transition>
+    </mc:Choice>
+    <mc:Fallback>
+      <p:transition spd="med">
+        <p:fade/>
+      </p:transition>
+    </mc:Fallback>
+  </mc:AlternateContent>
 </p:sld>
 </file>
 
@@ -45638,7 +46387,7 @@
           <a:graphicData uri="http://schemas.openxmlformats.org/presentationml/2006/ole">
             <mc:AlternateContent xmlns:mc="http://schemas.openxmlformats.org/markup-compatibility/2006">
               <mc:Choice xmlns:v="urn:schemas-microsoft-com:vml" Requires="v">
-                <p:oleObj spid="_x0000_s1126" name="Equation" r:id="rId3" imgW="2273300" imgH="203200" progId="Equation.3">
+                <p:oleObj spid="_x0000_s1154" name="Equation" r:id="rId3" imgW="2273300" imgH="203200" progId="Equation.3">
                   <p:embed/>
                 </p:oleObj>
               </mc:Choice>
@@ -45683,14 +46432,14 @@
   <p:clrMapOvr>
     <a:masterClrMapping/>
   </p:clrMapOvr>
-  <mc:AlternateContent xmlns:mc="http://schemas.openxmlformats.org/markup-compatibility/2006" xmlns:p14="http://schemas.microsoft.com/office/powerpoint/2010/main">
-    <mc:Choice Requires="p14">
+  <mc:AlternateContent xmlns:mc="http://schemas.openxmlformats.org/markup-compatibility/2006">
+    <mc:Choice xmlns:p14="http://schemas.microsoft.com/office/powerpoint/2010/main" Requires="p14">
       <p:transition spd="med" p14:dur="700">
         <p:fade/>
       </p:transition>
     </mc:Choice>
-    <mc:Fallback xmlns="">
-      <p:transition xmlns:p14="http://schemas.microsoft.com/office/powerpoint/2010/main" spd="med">
+    <mc:Fallback>
+      <p:transition spd="med">
         <p:fade/>
       </p:transition>
     </mc:Fallback>
@@ -45884,14 +46633,14 @@
   <p:clrMapOvr>
     <a:masterClrMapping/>
   </p:clrMapOvr>
-  <mc:AlternateContent xmlns:mc="http://schemas.openxmlformats.org/markup-compatibility/2006" xmlns:p14="http://schemas.microsoft.com/office/powerpoint/2010/main">
-    <mc:Choice Requires="p14">
+  <mc:AlternateContent xmlns:mc="http://schemas.openxmlformats.org/markup-compatibility/2006">
+    <mc:Choice xmlns:p14="http://schemas.microsoft.com/office/powerpoint/2010/main" Requires="p14">
       <p:transition spd="med" p14:dur="700">
         <p:fade/>
       </p:transition>
     </mc:Choice>
-    <mc:Fallback xmlns="">
-      <p:transition xmlns:p14="http://schemas.microsoft.com/office/powerpoint/2010/main" spd="med">
+    <mc:Fallback>
+      <p:transition spd="med">
         <p:fade/>
       </p:transition>
     </mc:Fallback>
@@ -46036,14 +46785,14 @@
           </a:ln>
           <a:extLst>
             <a:ext uri="{909E8E84-426E-40dd-AFC4-6F175D3DCCD1}">
-              <a14:hiddenFill xmlns="" xmlns:a14="http://schemas.microsoft.com/office/drawing/2010/main">
+              <a14:hiddenFill xmlns:a14="http://schemas.microsoft.com/office/drawing/2010/main" xmlns="">
                 <a:solidFill>
                   <a:srgbClr val="FFFFFF"/>
                 </a:solidFill>
               </a14:hiddenFill>
             </a:ext>
             <a:ext uri="{91240B29-F687-4f45-9708-019B960494DF}">
-              <a14:hiddenLine xmlns="" xmlns:a14="http://schemas.microsoft.com/office/drawing/2010/main" w="9525">
+              <a14:hiddenLine xmlns:a14="http://schemas.microsoft.com/office/drawing/2010/main" xmlns="" w="9525">
                 <a:solidFill>
                   <a:srgbClr val="000000"/>
                 </a:solidFill>
@@ -46186,14 +46935,14 @@
   <p:clrMapOvr>
     <a:masterClrMapping/>
   </p:clrMapOvr>
-  <mc:AlternateContent xmlns:mc="http://schemas.openxmlformats.org/markup-compatibility/2006" xmlns:p14="http://schemas.microsoft.com/office/powerpoint/2010/main">
-    <mc:Choice Requires="p14">
+  <mc:AlternateContent xmlns:mc="http://schemas.openxmlformats.org/markup-compatibility/2006">
+    <mc:Choice xmlns:p14="http://schemas.microsoft.com/office/powerpoint/2010/main" Requires="p14">
       <p:transition spd="med" p14:dur="700">
         <p:fade/>
       </p:transition>
     </mc:Choice>
-    <mc:Fallback xmlns="">
-      <p:transition xmlns:p14="http://schemas.microsoft.com/office/powerpoint/2010/main" spd="med">
+    <mc:Fallback>
+      <p:transition spd="med">
         <p:fade/>
       </p:transition>
     </mc:Fallback>
@@ -47532,6 +48281,18 @@
   <p:clrMapOvr>
     <a:masterClrMapping/>
   </p:clrMapOvr>
+  <mc:AlternateContent xmlns:mc="http://schemas.openxmlformats.org/markup-compatibility/2006">
+    <mc:Choice xmlns:p14="http://schemas.microsoft.com/office/powerpoint/2010/main" Requires="p14">
+      <p:transition spd="med" p14:dur="700">
+        <p:fade/>
+      </p:transition>
+    </mc:Choice>
+    <mc:Fallback>
+      <p:transition spd="med">
+        <p:fade/>
+      </p:transition>
+    </mc:Fallback>
+  </mc:AlternateContent>
 </p:sld>
 </file>
 
@@ -47979,7 +48740,7 @@
           <a:graphicData uri="http://schemas.openxmlformats.org/presentationml/2006/ole">
             <mc:AlternateContent xmlns:mc="http://schemas.openxmlformats.org/markup-compatibility/2006">
               <mc:Choice xmlns:v="urn:schemas-microsoft-com:vml" Requires="v">
-                <p:oleObj spid="_x0000_s9283" name="Equation" r:id="rId4" imgW="1346200" imgH="457200" progId="Equation.3">
+                <p:oleObj spid="_x0000_s9311" name="Equation" r:id="rId4" imgW="1346200" imgH="457200" progId="Equation.3">
                   <p:embed/>
                 </p:oleObj>
               </mc:Choice>
@@ -48054,14 +48815,14 @@
   <p:clrMapOvr>
     <a:masterClrMapping/>
   </p:clrMapOvr>
-  <mc:AlternateContent xmlns:mc="http://schemas.openxmlformats.org/markup-compatibility/2006" xmlns:p14="http://schemas.microsoft.com/office/powerpoint/2010/main">
-    <mc:Choice Requires="p14">
+  <mc:AlternateContent xmlns:mc="http://schemas.openxmlformats.org/markup-compatibility/2006">
+    <mc:Choice xmlns:p14="http://schemas.microsoft.com/office/powerpoint/2010/main" Requires="p14">
       <p:transition spd="med" p14:dur="700">
         <p:fade/>
       </p:transition>
     </mc:Choice>
-    <mc:Fallback xmlns="">
-      <p:transition xmlns:p14="http://schemas.microsoft.com/office/powerpoint/2010/main" spd="med">
+    <mc:Fallback>
+      <p:transition spd="med">
         <p:fade/>
       </p:transition>
     </mc:Fallback>
@@ -48831,14 +49592,14 @@
   <p:clrMapOvr>
     <a:masterClrMapping/>
   </p:clrMapOvr>
-  <mc:AlternateContent xmlns:mc="http://schemas.openxmlformats.org/markup-compatibility/2006" xmlns:p14="http://schemas.microsoft.com/office/powerpoint/2010/main">
-    <mc:Choice Requires="p14">
+  <mc:AlternateContent xmlns:mc="http://schemas.openxmlformats.org/markup-compatibility/2006">
+    <mc:Choice xmlns:p14="http://schemas.microsoft.com/office/powerpoint/2010/main" Requires="p14">
       <p:transition spd="med" p14:dur="700">
         <p:fade/>
       </p:transition>
     </mc:Choice>
-    <mc:Fallback xmlns="">
-      <p:transition xmlns:p14="http://schemas.microsoft.com/office/powerpoint/2010/main" spd="med">
+    <mc:Fallback>
+      <p:transition spd="med">
         <p:fade/>
       </p:transition>
     </mc:Fallback>
@@ -49017,7 +49778,7 @@
           <a:graphicData uri="http://schemas.openxmlformats.org/presentationml/2006/ole">
             <mc:AlternateContent xmlns:mc="http://schemas.openxmlformats.org/markup-compatibility/2006">
               <mc:Choice xmlns:v="urn:schemas-microsoft-com:vml" Requires="v">
-                <p:oleObj spid="_x0000_s10307" name="Equation" r:id="rId4" imgW="1346200" imgH="457200" progId="Equation.3">
+                <p:oleObj spid="_x0000_s10335" name="Equation" r:id="rId4" imgW="1346200" imgH="457200" progId="Equation.3">
                   <p:embed/>
                 </p:oleObj>
               </mc:Choice>
@@ -49180,14 +49941,14 @@
   <p:clrMapOvr>
     <a:masterClrMapping/>
   </p:clrMapOvr>
-  <mc:AlternateContent xmlns:mc="http://schemas.openxmlformats.org/markup-compatibility/2006" xmlns:p14="http://schemas.microsoft.com/office/powerpoint/2010/main">
-    <mc:Choice Requires="p14">
+  <mc:AlternateContent xmlns:mc="http://schemas.openxmlformats.org/markup-compatibility/2006">
+    <mc:Choice xmlns:p14="http://schemas.microsoft.com/office/powerpoint/2010/main" Requires="p14">
       <p:transition spd="med" p14:dur="700">
         <p:fade/>
       </p:transition>
     </mc:Choice>
-    <mc:Fallback xmlns="">
-      <p:transition xmlns:p14="http://schemas.microsoft.com/office/powerpoint/2010/main" spd="med">
+    <mc:Fallback>
+      <p:transition spd="med">
         <p:fade/>
       </p:transition>
     </mc:Fallback>

--- a/doc/workshop/advancedReliability/reliability_analysis.pptx
+++ b/doc/workshop/advancedReliability/reliability_analysis.pptx
@@ -36793,13 +36793,13 @@
   <p:clrMapOvr>
     <a:masterClrMapping/>
   </p:clrMapOvr>
-  <mc:AlternateContent xmlns:mc="http://schemas.openxmlformats.org/markup-compatibility/2006">
-    <mc:Choice xmlns:p14="http://schemas.microsoft.com/office/powerpoint/2010/main" Requires="p14">
+  <mc:AlternateContent xmlns:mc="http://schemas.openxmlformats.org/markup-compatibility/2006" xmlns:p14="http://schemas.microsoft.com/office/powerpoint/2010/main">
+    <mc:Choice Requires="p14">
       <p:transition spd="med" p14:dur="700">
         <p:fade/>
       </p:transition>
     </mc:Choice>
-    <mc:Fallback>
+    <mc:Fallback xmlns="">
       <p:transition spd="med">
         <p:fade/>
       </p:transition>
@@ -36943,13 +36943,13 @@
   <p:clrMapOvr>
     <a:masterClrMapping/>
   </p:clrMapOvr>
-  <mc:AlternateContent xmlns:mc="http://schemas.openxmlformats.org/markup-compatibility/2006">
-    <mc:Choice xmlns:p14="http://schemas.microsoft.com/office/powerpoint/2010/main" Requires="p14">
+  <mc:AlternateContent xmlns:mc="http://schemas.openxmlformats.org/markup-compatibility/2006" xmlns:p14="http://schemas.microsoft.com/office/powerpoint/2010/main">
+    <mc:Choice Requires="p14">
       <p:transition spd="med" p14:dur="700">
         <p:fade/>
       </p:transition>
     </mc:Choice>
-    <mc:Fallback>
+    <mc:Fallback xmlns="">
       <p:transition spd="med">
         <p:fade/>
       </p:transition>
@@ -37096,13 +37096,13 @@
   <p:clrMapOvr>
     <a:masterClrMapping/>
   </p:clrMapOvr>
-  <mc:AlternateContent xmlns:mc="http://schemas.openxmlformats.org/markup-compatibility/2006">
-    <mc:Choice xmlns:p14="http://schemas.microsoft.com/office/powerpoint/2010/main" Requires="p14">
+  <mc:AlternateContent xmlns:mc="http://schemas.openxmlformats.org/markup-compatibility/2006" xmlns:p14="http://schemas.microsoft.com/office/powerpoint/2010/main">
+    <mc:Choice Requires="p14">
       <p:transition spd="med" p14:dur="700">
         <p:fade/>
       </p:transition>
     </mc:Choice>
-    <mc:Fallback>
+    <mc:Fallback xmlns="">
       <p:transition spd="med">
         <p:fade/>
       </p:transition>
@@ -37307,8 +37307,23 @@
                 </a:solidFill>
                 <a:latin typeface="Lucida Console" panose="020B0609040504020204" pitchFamily="49" charset="0"/>
               </a:rPr>
-              <a:t>git checkout workshop_2018</a:t>
-            </a:r>
+              <a:t>git checkout </a:t>
+            </a:r>
+            <a:r>
+              <a:rPr lang="en-US" sz="1800" dirty="0" err="1">
+                <a:solidFill>
+                  <a:schemeClr val="bg1"/>
+                </a:solidFill>
+                <a:latin typeface="Lucida Console" panose="020B0609040504020204" pitchFamily="49" charset="0"/>
+              </a:rPr>
+              <a:t>devel</a:t>
+            </a:r>
+            <a:endParaRPr lang="en-US" sz="1800" dirty="0">
+              <a:solidFill>
+                <a:schemeClr val="bg1"/>
+              </a:solidFill>
+              <a:latin typeface="Lucida Console" panose="020B0609040504020204" pitchFamily="49" charset="0"/>
+            </a:endParaRPr>
           </a:p>
           <a:p>
             <a:pPr marL="0" indent="0">
@@ -37407,13 +37422,13 @@
   <p:clrMapOvr>
     <a:masterClrMapping/>
   </p:clrMapOvr>
-  <mc:AlternateContent xmlns:mc="http://schemas.openxmlformats.org/markup-compatibility/2006">
-    <mc:Choice xmlns:p14="http://schemas.microsoft.com/office/powerpoint/2010/main" Requires="p14">
+  <mc:AlternateContent xmlns:mc="http://schemas.openxmlformats.org/markup-compatibility/2006" xmlns:p14="http://schemas.microsoft.com/office/powerpoint/2010/main">
+    <mc:Choice Requires="p14">
       <p:transition spd="med" p14:dur="700">
         <p:fade/>
       </p:transition>
     </mc:Choice>
-    <mc:Fallback>
+    <mc:Fallback xmlns="">
       <p:transition spd="med">
         <p:fade/>
       </p:transition>
@@ -37806,13 +37821,13 @@
   <p:clrMapOvr>
     <a:masterClrMapping/>
   </p:clrMapOvr>
-  <mc:AlternateContent xmlns:mc="http://schemas.openxmlformats.org/markup-compatibility/2006">
-    <mc:Choice xmlns:p14="http://schemas.microsoft.com/office/powerpoint/2010/main" Requires="p14">
+  <mc:AlternateContent xmlns:mc="http://schemas.openxmlformats.org/markup-compatibility/2006" xmlns:p14="http://schemas.microsoft.com/office/powerpoint/2010/main">
+    <mc:Choice Requires="p14">
       <p:transition spd="med" p14:dur="700">
         <p:fade/>
       </p:transition>
     </mc:Choice>
-    <mc:Fallback>
+    <mc:Fallback xmlns="">
       <p:transition spd="med">
         <p:fade/>
       </p:transition>
@@ -38081,13 +38096,13 @@
   <p:clrMapOvr>
     <a:masterClrMapping/>
   </p:clrMapOvr>
-  <mc:AlternateContent xmlns:mc="http://schemas.openxmlformats.org/markup-compatibility/2006">
-    <mc:Choice xmlns:p14="http://schemas.microsoft.com/office/powerpoint/2010/main" Requires="p14">
+  <mc:AlternateContent xmlns:mc="http://schemas.openxmlformats.org/markup-compatibility/2006" xmlns:p14="http://schemas.microsoft.com/office/powerpoint/2010/main">
+    <mc:Choice Requires="p14">
       <p:transition spd="med" p14:dur="700">
         <p:fade/>
       </p:transition>
     </mc:Choice>
-    <mc:Fallback>
+    <mc:Fallback xmlns="">
       <p:transition spd="med">
         <p:fade/>
       </p:transition>
@@ -38182,13 +38197,13 @@
   <p:clrMapOvr>
     <a:masterClrMapping/>
   </p:clrMapOvr>
-  <mc:AlternateContent xmlns:mc="http://schemas.openxmlformats.org/markup-compatibility/2006">
-    <mc:Choice xmlns:p14="http://schemas.microsoft.com/office/powerpoint/2010/main" Requires="p14">
+  <mc:AlternateContent xmlns:mc="http://schemas.openxmlformats.org/markup-compatibility/2006" xmlns:p14="http://schemas.microsoft.com/office/powerpoint/2010/main">
+    <mc:Choice Requires="p14">
       <p:transition spd="med" p14:dur="700">
         <p:fade/>
       </p:transition>
     </mc:Choice>
-    <mc:Fallback>
+    <mc:Fallback xmlns="">
       <p:transition spd="med">
         <p:fade/>
       </p:transition>
@@ -38589,13 +38604,13 @@
   <p:clrMapOvr>
     <a:masterClrMapping/>
   </p:clrMapOvr>
-  <mc:AlternateContent xmlns:mc="http://schemas.openxmlformats.org/markup-compatibility/2006">
-    <mc:Choice xmlns:p14="http://schemas.microsoft.com/office/powerpoint/2010/main" Requires="p14">
+  <mc:AlternateContent xmlns:mc="http://schemas.openxmlformats.org/markup-compatibility/2006" xmlns:p14="http://schemas.microsoft.com/office/powerpoint/2010/main">
+    <mc:Choice Requires="p14">
       <p:transition spd="med" p14:dur="700">
         <p:fade/>
       </p:transition>
     </mc:Choice>
-    <mc:Fallback>
+    <mc:Fallback xmlns="">
       <p:transition spd="med">
         <p:fade/>
       </p:transition>
@@ -39576,13 +39591,13 @@
   <p:clrMapOvr>
     <a:masterClrMapping/>
   </p:clrMapOvr>
-  <mc:AlternateContent xmlns:mc="http://schemas.openxmlformats.org/markup-compatibility/2006">
-    <mc:Choice xmlns:p14="http://schemas.microsoft.com/office/powerpoint/2010/main" Requires="p14">
+  <mc:AlternateContent xmlns:mc="http://schemas.openxmlformats.org/markup-compatibility/2006" xmlns:p14="http://schemas.microsoft.com/office/powerpoint/2010/main">
+    <mc:Choice Requires="p14">
       <p:transition spd="med" p14:dur="700">
         <p:fade/>
       </p:transition>
     </mc:Choice>
-    <mc:Fallback>
+    <mc:Fallback xmlns="">
       <p:transition spd="med">
         <p:fade/>
       </p:transition>
@@ -39888,7 +39903,7 @@
                 <a:latin typeface="Courier"/>
                 <a:cs typeface="Courier"/>
               </a:rPr>
-              <a:t>    &lt;variable&gt;</a:t>
+              <a:t>    &lt;variables&gt;</a:t>
             </a:r>
             <a:r>
               <a:rPr lang="en-US" sz="1400" dirty="0">
@@ -39905,7 +39920,7 @@
                 <a:latin typeface="Courier"/>
                 <a:cs typeface="Courier"/>
               </a:rPr>
-              <a:t>&lt;/variable&gt;</a:t>
+              <a:t>&lt;/variables&gt;</a:t>
             </a:r>
           </a:p>
           <a:p>
@@ -40573,13 +40588,13 @@
   <p:clrMapOvr>
     <a:masterClrMapping/>
   </p:clrMapOvr>
-  <mc:AlternateContent xmlns:mc="http://schemas.openxmlformats.org/markup-compatibility/2006">
-    <mc:Choice xmlns:p14="http://schemas.microsoft.com/office/powerpoint/2010/main" Requires="p14">
+  <mc:AlternateContent xmlns:mc="http://schemas.openxmlformats.org/markup-compatibility/2006" xmlns:p14="http://schemas.microsoft.com/office/powerpoint/2010/main">
+    <mc:Choice Requires="p14">
       <p:transition spd="med" p14:dur="700">
         <p:fade/>
       </p:transition>
     </mc:Choice>
-    <mc:Fallback>
+    <mc:Fallback xmlns="">
       <p:transition spd="med">
         <p:fade/>
       </p:transition>
@@ -42198,13 +42213,13 @@
   <p:clrMapOvr>
     <a:masterClrMapping/>
   </p:clrMapOvr>
-  <mc:AlternateContent xmlns:mc="http://schemas.openxmlformats.org/markup-compatibility/2006">
-    <mc:Choice xmlns:p14="http://schemas.microsoft.com/office/powerpoint/2010/main" Requires="p14">
+  <mc:AlternateContent xmlns:mc="http://schemas.openxmlformats.org/markup-compatibility/2006" xmlns:p14="http://schemas.microsoft.com/office/powerpoint/2010/main">
+    <mc:Choice Requires="p14">
       <p:transition spd="med" p14:dur="700">
         <p:fade/>
       </p:transition>
     </mc:Choice>
-    <mc:Fallback>
+    <mc:Fallback xmlns="">
       <p:transition spd="med">
         <p:fade/>
       </p:transition>
@@ -42352,13 +42367,13 @@
   <p:clrMapOvr>
     <a:masterClrMapping/>
   </p:clrMapOvr>
-  <mc:AlternateContent xmlns:mc="http://schemas.openxmlformats.org/markup-compatibility/2006">
-    <mc:Choice xmlns:p14="http://schemas.microsoft.com/office/powerpoint/2010/main" Requires="p14">
+  <mc:AlternateContent xmlns:mc="http://schemas.openxmlformats.org/markup-compatibility/2006" xmlns:p14="http://schemas.microsoft.com/office/powerpoint/2010/main">
+    <mc:Choice Requires="p14">
       <p:transition spd="med" p14:dur="700">
         <p:fade/>
       </p:transition>
     </mc:Choice>
-    <mc:Fallback>
+    <mc:Fallback xmlns="">
       <p:transition spd="med">
         <p:fade/>
       </p:transition>
@@ -43147,13 +43162,13 @@
   <p:clrMapOvr>
     <a:masterClrMapping/>
   </p:clrMapOvr>
-  <mc:AlternateContent xmlns:mc="http://schemas.openxmlformats.org/markup-compatibility/2006">
-    <mc:Choice xmlns:p14="http://schemas.microsoft.com/office/powerpoint/2010/main" Requires="p14">
+  <mc:AlternateContent xmlns:mc="http://schemas.openxmlformats.org/markup-compatibility/2006" xmlns:p14="http://schemas.microsoft.com/office/powerpoint/2010/main">
+    <mc:Choice Requires="p14">
       <p:transition spd="med" p14:dur="700">
         <p:fade/>
       </p:transition>
     </mc:Choice>
-    <mc:Fallback>
+    <mc:Fallback xmlns="">
       <p:transition spd="med">
         <p:fade/>
       </p:transition>
@@ -43248,13 +43263,13 @@
   <p:clrMapOvr>
     <a:masterClrMapping/>
   </p:clrMapOvr>
-  <mc:AlternateContent xmlns:mc="http://schemas.openxmlformats.org/markup-compatibility/2006">
-    <mc:Choice xmlns:p14="http://schemas.microsoft.com/office/powerpoint/2010/main" Requires="p14">
+  <mc:AlternateContent xmlns:mc="http://schemas.openxmlformats.org/markup-compatibility/2006" xmlns:p14="http://schemas.microsoft.com/office/powerpoint/2010/main">
+    <mc:Choice Requires="p14">
       <p:transition spd="med" p14:dur="700">
         <p:fade/>
       </p:transition>
     </mc:Choice>
-    <mc:Fallback>
+    <mc:Fallback xmlns="">
       <p:transition spd="med">
         <p:fade/>
       </p:transition>
@@ -43417,8 +43432,8 @@
         </p:nvSpPr>
         <p:spPr>
           <a:xfrm>
-            <a:off x="788618" y="2635551"/>
-            <a:ext cx="7566763" cy="3754874"/>
+            <a:off x="788618" y="2228046"/>
+            <a:ext cx="7566763" cy="4185761"/>
           </a:xfrm>
           <a:prstGeom prst="rect">
             <a:avLst/>
@@ -43909,7 +43924,77 @@
                 <a:latin typeface="Courier"/>
                 <a:cs typeface="Courier"/>
               </a:rPr>
-              <a:t>      &lt;distribution&gt;</a:t>
+              <a:t>      &lt;distribution </a:t>
+            </a:r>
+            <a:r>
+              <a:rPr lang="en-US" sz="1400" dirty="0">
+                <a:solidFill>
+                  <a:srgbClr val="660066"/>
+                </a:solidFill>
+                <a:latin typeface="Courier"/>
+                <a:cs typeface="Courier"/>
+              </a:rPr>
+              <a:t>class</a:t>
+            </a:r>
+            <a:r>
+              <a:rPr lang="en-US" sz="1400" dirty="0">
+                <a:solidFill>
+                  <a:srgbClr val="008000"/>
+                </a:solidFill>
+                <a:latin typeface="Courier"/>
+                <a:cs typeface="Courier"/>
+              </a:rPr>
+              <a:t>=</a:t>
+            </a:r>
+            <a:r>
+              <a:rPr lang="en-US" sz="1400" dirty="0">
+                <a:solidFill>
+                  <a:srgbClr val="1A4DB2"/>
+                </a:solidFill>
+                <a:latin typeface="Courier"/>
+                <a:cs typeface="Courier"/>
+              </a:rPr>
+              <a:t>”Distributions" </a:t>
+            </a:r>
+            <a:r>
+              <a:rPr lang="en-US" sz="1400" dirty="0">
+                <a:solidFill>
+                  <a:srgbClr val="660066"/>
+                </a:solidFill>
+                <a:latin typeface="Courier"/>
+                <a:cs typeface="Courier"/>
+              </a:rPr>
+              <a:t>type</a:t>
+            </a:r>
+            <a:r>
+              <a:rPr lang="en-US" sz="1400" dirty="0">
+                <a:solidFill>
+                  <a:srgbClr val="008000"/>
+                </a:solidFill>
+                <a:latin typeface="Courier"/>
+                <a:cs typeface="Courier"/>
+              </a:rPr>
+              <a:t>=</a:t>
+            </a:r>
+            <a:r>
+              <a:rPr lang="en-US" sz="1400" dirty="0">
+                <a:solidFill>
+                  <a:srgbClr val="1A4DB2"/>
+                </a:solidFill>
+                <a:latin typeface="Courier"/>
+                <a:cs typeface="Courier"/>
+              </a:rPr>
+              <a:t>”Normal" </a:t>
+            </a:r>
+            <a:r>
+              <a:rPr lang="en-US" sz="1400" dirty="0">
+                <a:solidFill>
+                  <a:srgbClr val="008000"/>
+                </a:solidFill>
+                <a:latin typeface="Courier"/>
+                <a:cs typeface="Courier"/>
+              </a:rPr>
+              <a:t>&gt;</a:t>
             </a:r>
             <a:r>
               <a:rPr lang="en-US" sz="1400" dirty="0">
@@ -43921,6 +44006,18 @@
               </a:rPr>
               <a:t> </a:t>
             </a:r>
+          </a:p>
+          <a:p>
+            <a:r>
+              <a:rPr lang="en-US" sz="1400" dirty="0">
+                <a:solidFill>
+                  <a:srgbClr val="000000"/>
+                </a:solidFill>
+                <a:latin typeface="Courier"/>
+                <a:cs typeface="Courier"/>
+              </a:rPr>
+              <a:t>       </a:t>
+            </a:r>
             <a:r>
               <a:rPr lang="en-US" sz="1400" dirty="0" err="1">
                 <a:solidFill>
@@ -44025,7 +44122,77 @@
                 <a:latin typeface="Courier"/>
                 <a:cs typeface="Courier"/>
               </a:rPr>
-              <a:t>      &lt;distribution&gt;</a:t>
+              <a:t>      &lt;distribution </a:t>
+            </a:r>
+            <a:r>
+              <a:rPr lang="en-US" sz="1400" dirty="0">
+                <a:solidFill>
+                  <a:srgbClr val="660066"/>
+                </a:solidFill>
+                <a:latin typeface="Courier"/>
+                <a:cs typeface="Courier"/>
+              </a:rPr>
+              <a:t>class</a:t>
+            </a:r>
+            <a:r>
+              <a:rPr lang="en-US" sz="1400" dirty="0">
+                <a:solidFill>
+                  <a:srgbClr val="008000"/>
+                </a:solidFill>
+                <a:latin typeface="Courier"/>
+                <a:cs typeface="Courier"/>
+              </a:rPr>
+              <a:t>=</a:t>
+            </a:r>
+            <a:r>
+              <a:rPr lang="en-US" sz="1400" dirty="0">
+                <a:solidFill>
+                  <a:srgbClr val="1A4DB2"/>
+                </a:solidFill>
+                <a:latin typeface="Courier"/>
+                <a:cs typeface="Courier"/>
+              </a:rPr>
+              <a:t>”Distributions" </a:t>
+            </a:r>
+            <a:r>
+              <a:rPr lang="en-US" sz="1400" dirty="0">
+                <a:solidFill>
+                  <a:srgbClr val="660066"/>
+                </a:solidFill>
+                <a:latin typeface="Courier"/>
+                <a:cs typeface="Courier"/>
+              </a:rPr>
+              <a:t>type</a:t>
+            </a:r>
+            <a:r>
+              <a:rPr lang="en-US" sz="1400" dirty="0">
+                <a:solidFill>
+                  <a:srgbClr val="008000"/>
+                </a:solidFill>
+                <a:latin typeface="Courier"/>
+                <a:cs typeface="Courier"/>
+              </a:rPr>
+              <a:t>=</a:t>
+            </a:r>
+            <a:r>
+              <a:rPr lang="en-US" sz="1400" dirty="0">
+                <a:solidFill>
+                  <a:srgbClr val="1A4DB2"/>
+                </a:solidFill>
+                <a:latin typeface="Courier"/>
+                <a:cs typeface="Courier"/>
+              </a:rPr>
+              <a:t>”Uniform" </a:t>
+            </a:r>
+            <a:r>
+              <a:rPr lang="en-US" sz="1400" dirty="0">
+                <a:solidFill>
+                  <a:srgbClr val="008000"/>
+                </a:solidFill>
+                <a:latin typeface="Courier"/>
+                <a:cs typeface="Courier"/>
+              </a:rPr>
+              <a:t>&gt;</a:t>
             </a:r>
             <a:r>
               <a:rPr lang="en-US" sz="1400" dirty="0">
@@ -44036,6 +44203,18 @@
                 <a:cs typeface="Courier"/>
               </a:rPr>
               <a:t> </a:t>
+            </a:r>
+          </a:p>
+          <a:p>
+            <a:r>
+              <a:rPr lang="en-US" sz="1400" dirty="0">
+                <a:solidFill>
+                  <a:srgbClr val="000000"/>
+                </a:solidFill>
+                <a:latin typeface="Courier"/>
+                <a:cs typeface="Courier"/>
+              </a:rPr>
+              <a:t>       </a:t>
             </a:r>
             <a:r>
               <a:rPr lang="en-US" sz="1400" dirty="0" err="1">
@@ -44535,13 +44714,13 @@
   <p:clrMapOvr>
     <a:masterClrMapping/>
   </p:clrMapOvr>
-  <mc:AlternateContent xmlns:mc="http://schemas.openxmlformats.org/markup-compatibility/2006">
-    <mc:Choice xmlns:p14="http://schemas.microsoft.com/office/powerpoint/2010/main" Requires="p14">
+  <mc:AlternateContent xmlns:mc="http://schemas.openxmlformats.org/markup-compatibility/2006" xmlns:p14="http://schemas.microsoft.com/office/powerpoint/2010/main">
+    <mc:Choice Requires="p14">
       <p:transition spd="med" p14:dur="700">
         <p:fade/>
       </p:transition>
     </mc:Choice>
-    <mc:Fallback>
+    <mc:Fallback xmlns="">
       <p:transition spd="med">
         <p:fade/>
       </p:transition>
@@ -45654,13 +45833,13 @@
   <p:clrMapOvr>
     <a:masterClrMapping/>
   </p:clrMapOvr>
-  <mc:AlternateContent xmlns:mc="http://schemas.openxmlformats.org/markup-compatibility/2006">
-    <mc:Choice xmlns:p14="http://schemas.microsoft.com/office/powerpoint/2010/main" Requires="p14">
+  <mc:AlternateContent xmlns:mc="http://schemas.openxmlformats.org/markup-compatibility/2006" xmlns:p14="http://schemas.microsoft.com/office/powerpoint/2010/main">
+    <mc:Choice Requires="p14">
       <p:transition spd="med" p14:dur="700">
         <p:fade/>
       </p:transition>
     </mc:Choice>
-    <mc:Fallback>
+    <mc:Fallback xmlns="">
       <p:transition spd="med">
         <p:fade/>
       </p:transition>
@@ -45755,13 +45934,13 @@
   <p:clrMapOvr>
     <a:masterClrMapping/>
   </p:clrMapOvr>
-  <mc:AlternateContent xmlns:mc="http://schemas.openxmlformats.org/markup-compatibility/2006">
-    <mc:Choice xmlns:p14="http://schemas.microsoft.com/office/powerpoint/2010/main" Requires="p14">
+  <mc:AlternateContent xmlns:mc="http://schemas.openxmlformats.org/markup-compatibility/2006" xmlns:p14="http://schemas.microsoft.com/office/powerpoint/2010/main">
+    <mc:Choice Requires="p14">
       <p:transition spd="med" p14:dur="700">
         <p:fade/>
       </p:transition>
     </mc:Choice>
-    <mc:Fallback>
+    <mc:Fallback xmlns="">
       <p:transition spd="med">
         <p:fade/>
       </p:transition>
@@ -45968,13 +46147,13 @@
   <p:clrMapOvr>
     <a:masterClrMapping/>
   </p:clrMapOvr>
-  <mc:AlternateContent xmlns:mc="http://schemas.openxmlformats.org/markup-compatibility/2006">
-    <mc:Choice xmlns:p14="http://schemas.microsoft.com/office/powerpoint/2010/main" Requires="p14">
+  <mc:AlternateContent xmlns:mc="http://schemas.openxmlformats.org/markup-compatibility/2006" xmlns:p14="http://schemas.microsoft.com/office/powerpoint/2010/main">
+    <mc:Choice Requires="p14">
       <p:transition spd="med" p14:dur="700">
         <p:fade/>
       </p:transition>
     </mc:Choice>
-    <mc:Fallback>
+    <mc:Fallback xmlns="">
       <p:transition spd="med">
         <p:fade/>
       </p:transition>
@@ -46215,13 +46394,13 @@
   <p:clrMapOvr>
     <a:masterClrMapping/>
   </p:clrMapOvr>
-  <mc:AlternateContent xmlns:mc="http://schemas.openxmlformats.org/markup-compatibility/2006">
-    <mc:Choice xmlns:p14="http://schemas.microsoft.com/office/powerpoint/2010/main" Requires="p14">
+  <mc:AlternateContent xmlns:mc="http://schemas.openxmlformats.org/markup-compatibility/2006" xmlns:p14="http://schemas.microsoft.com/office/powerpoint/2010/main">
+    <mc:Choice Requires="p14">
       <p:transition spd="med" p14:dur="700">
         <p:fade/>
       </p:transition>
     </mc:Choice>
-    <mc:Fallback>
+    <mc:Fallback xmlns="">
       <p:transition spd="med">
         <p:fade/>
       </p:transition>
@@ -46387,7 +46566,7 @@
           <a:graphicData uri="http://schemas.openxmlformats.org/presentationml/2006/ole">
             <mc:AlternateContent xmlns:mc="http://schemas.openxmlformats.org/markup-compatibility/2006">
               <mc:Choice xmlns:v="urn:schemas-microsoft-com:vml" Requires="v">
-                <p:oleObj spid="_x0000_s1154" name="Equation" r:id="rId3" imgW="2273300" imgH="203200" progId="Equation.3">
+                <p:oleObj spid="_x0000_s1163" name="Equation" r:id="rId3" imgW="2273300" imgH="203200" progId="Equation.3">
                   <p:embed/>
                 </p:oleObj>
               </mc:Choice>
@@ -46432,13 +46611,13 @@
   <p:clrMapOvr>
     <a:masterClrMapping/>
   </p:clrMapOvr>
-  <mc:AlternateContent xmlns:mc="http://schemas.openxmlformats.org/markup-compatibility/2006">
-    <mc:Choice xmlns:p14="http://schemas.microsoft.com/office/powerpoint/2010/main" Requires="p14">
+  <mc:AlternateContent xmlns:mc="http://schemas.openxmlformats.org/markup-compatibility/2006" xmlns:p14="http://schemas.microsoft.com/office/powerpoint/2010/main">
+    <mc:Choice Requires="p14">
       <p:transition spd="med" p14:dur="700">
         <p:fade/>
       </p:transition>
     </mc:Choice>
-    <mc:Fallback>
+    <mc:Fallback xmlns="">
       <p:transition spd="med">
         <p:fade/>
       </p:transition>
@@ -46633,13 +46812,13 @@
   <p:clrMapOvr>
     <a:masterClrMapping/>
   </p:clrMapOvr>
-  <mc:AlternateContent xmlns:mc="http://schemas.openxmlformats.org/markup-compatibility/2006">
-    <mc:Choice xmlns:p14="http://schemas.microsoft.com/office/powerpoint/2010/main" Requires="p14">
+  <mc:AlternateContent xmlns:mc="http://schemas.openxmlformats.org/markup-compatibility/2006" xmlns:p14="http://schemas.microsoft.com/office/powerpoint/2010/main">
+    <mc:Choice Requires="p14">
       <p:transition spd="med" p14:dur="700">
         <p:fade/>
       </p:transition>
     </mc:Choice>
-    <mc:Fallback>
+    <mc:Fallback xmlns="">
       <p:transition spd="med">
         <p:fade/>
       </p:transition>
@@ -46785,14 +46964,14 @@
           </a:ln>
           <a:extLst>
             <a:ext uri="{909E8E84-426E-40dd-AFC4-6F175D3DCCD1}">
-              <a14:hiddenFill xmlns:a14="http://schemas.microsoft.com/office/drawing/2010/main" xmlns="">
+              <a14:hiddenFill xmlns="" xmlns:a14="http://schemas.microsoft.com/office/drawing/2010/main">
                 <a:solidFill>
                   <a:srgbClr val="FFFFFF"/>
                 </a:solidFill>
               </a14:hiddenFill>
             </a:ext>
             <a:ext uri="{91240B29-F687-4f45-9708-019B960494DF}">
-              <a14:hiddenLine xmlns:a14="http://schemas.microsoft.com/office/drawing/2010/main" xmlns="" w="9525">
+              <a14:hiddenLine xmlns="" xmlns:a14="http://schemas.microsoft.com/office/drawing/2010/main" w="9525">
                 <a:solidFill>
                   <a:srgbClr val="000000"/>
                 </a:solidFill>
@@ -46935,13 +47114,13 @@
   <p:clrMapOvr>
     <a:masterClrMapping/>
   </p:clrMapOvr>
-  <mc:AlternateContent xmlns:mc="http://schemas.openxmlformats.org/markup-compatibility/2006">
-    <mc:Choice xmlns:p14="http://schemas.microsoft.com/office/powerpoint/2010/main" Requires="p14">
+  <mc:AlternateContent xmlns:mc="http://schemas.openxmlformats.org/markup-compatibility/2006" xmlns:p14="http://schemas.microsoft.com/office/powerpoint/2010/main">
+    <mc:Choice Requires="p14">
       <p:transition spd="med" p14:dur="700">
         <p:fade/>
       </p:transition>
     </mc:Choice>
-    <mc:Fallback>
+    <mc:Fallback xmlns="">
       <p:transition spd="med">
         <p:fade/>
       </p:transition>
@@ -48281,13 +48460,13 @@
   <p:clrMapOvr>
     <a:masterClrMapping/>
   </p:clrMapOvr>
-  <mc:AlternateContent xmlns:mc="http://schemas.openxmlformats.org/markup-compatibility/2006">
-    <mc:Choice xmlns:p14="http://schemas.microsoft.com/office/powerpoint/2010/main" Requires="p14">
+  <mc:AlternateContent xmlns:mc="http://schemas.openxmlformats.org/markup-compatibility/2006" xmlns:p14="http://schemas.microsoft.com/office/powerpoint/2010/main">
+    <mc:Choice Requires="p14">
       <p:transition spd="med" p14:dur="700">
         <p:fade/>
       </p:transition>
     </mc:Choice>
-    <mc:Fallback>
+    <mc:Fallback xmlns="">
       <p:transition spd="med">
         <p:fade/>
       </p:transition>
@@ -48728,9 +48907,7 @@
           <p:cNvGraphicFramePr>
             <a:graphicFrameLocks noChangeAspect="1"/>
           </p:cNvGraphicFramePr>
-          <p:nvPr>
-            <p:extLst/>
-          </p:nvPr>
+          <p:nvPr/>
         </p:nvGraphicFramePr>
         <p:xfrm>
           <a:off x="808039" y="4610293"/>
@@ -48740,7 +48917,7 @@
           <a:graphicData uri="http://schemas.openxmlformats.org/presentationml/2006/ole">
             <mc:AlternateContent xmlns:mc="http://schemas.openxmlformats.org/markup-compatibility/2006">
               <mc:Choice xmlns:v="urn:schemas-microsoft-com:vml" Requires="v">
-                <p:oleObj spid="_x0000_s9311" name="Equation" r:id="rId4" imgW="1346200" imgH="457200" progId="Equation.3">
+                <p:oleObj spid="_x0000_s9320" name="Equation" r:id="rId4" imgW="1346200" imgH="457200" progId="Equation.3">
                   <p:embed/>
                 </p:oleObj>
               </mc:Choice>
@@ -48815,13 +48992,13 @@
   <p:clrMapOvr>
     <a:masterClrMapping/>
   </p:clrMapOvr>
-  <mc:AlternateContent xmlns:mc="http://schemas.openxmlformats.org/markup-compatibility/2006">
-    <mc:Choice xmlns:p14="http://schemas.microsoft.com/office/powerpoint/2010/main" Requires="p14">
+  <mc:AlternateContent xmlns:mc="http://schemas.openxmlformats.org/markup-compatibility/2006" xmlns:p14="http://schemas.microsoft.com/office/powerpoint/2010/main">
+    <mc:Choice Requires="p14">
       <p:transition spd="med" p14:dur="700">
         <p:fade/>
       </p:transition>
     </mc:Choice>
-    <mc:Fallback>
+    <mc:Fallback xmlns="">
       <p:transition spd="med">
         <p:fade/>
       </p:transition>
@@ -49592,13 +49769,13 @@
   <p:clrMapOvr>
     <a:masterClrMapping/>
   </p:clrMapOvr>
-  <mc:AlternateContent xmlns:mc="http://schemas.openxmlformats.org/markup-compatibility/2006">
-    <mc:Choice xmlns:p14="http://schemas.microsoft.com/office/powerpoint/2010/main" Requires="p14">
+  <mc:AlternateContent xmlns:mc="http://schemas.openxmlformats.org/markup-compatibility/2006" xmlns:p14="http://schemas.microsoft.com/office/powerpoint/2010/main">
+    <mc:Choice Requires="p14">
       <p:transition spd="med" p14:dur="700">
         <p:fade/>
       </p:transition>
     </mc:Choice>
-    <mc:Fallback>
+    <mc:Fallback xmlns="">
       <p:transition spd="med">
         <p:fade/>
       </p:transition>
@@ -49766,9 +49943,7 @@
           <p:cNvGraphicFramePr>
             <a:graphicFrameLocks noChangeAspect="1"/>
           </p:cNvGraphicFramePr>
-          <p:nvPr>
-            <p:extLst/>
-          </p:nvPr>
+          <p:nvPr/>
         </p:nvGraphicFramePr>
         <p:xfrm>
           <a:off x="827577" y="4152700"/>
@@ -49778,7 +49953,7 @@
           <a:graphicData uri="http://schemas.openxmlformats.org/presentationml/2006/ole">
             <mc:AlternateContent xmlns:mc="http://schemas.openxmlformats.org/markup-compatibility/2006">
               <mc:Choice xmlns:v="urn:schemas-microsoft-com:vml" Requires="v">
-                <p:oleObj spid="_x0000_s10335" name="Equation" r:id="rId4" imgW="1346200" imgH="457200" progId="Equation.3">
+                <p:oleObj spid="_x0000_s10344" name="Equation" r:id="rId4" imgW="1346200" imgH="457200" progId="Equation.3">
                   <p:embed/>
                 </p:oleObj>
               </mc:Choice>
@@ -49941,13 +50116,13 @@
   <p:clrMapOvr>
     <a:masterClrMapping/>
   </p:clrMapOvr>
-  <mc:AlternateContent xmlns:mc="http://schemas.openxmlformats.org/markup-compatibility/2006">
-    <mc:Choice xmlns:p14="http://schemas.microsoft.com/office/powerpoint/2010/main" Requires="p14">
+  <mc:AlternateContent xmlns:mc="http://schemas.openxmlformats.org/markup-compatibility/2006" xmlns:p14="http://schemas.microsoft.com/office/powerpoint/2010/main">
+    <mc:Choice Requires="p14">
       <p:transition spd="med" p14:dur="700">
         <p:fade/>
       </p:transition>
     </mc:Choice>
-    <mc:Fallback>
+    <mc:Fallback xmlns="">
       <p:transition spd="med">
         <p:fade/>
       </p:transition>
